--- a/IS 607 Final Project.pptx
+++ b/IS 607 Final Project.pptx
@@ -3317,7 +3317,17 @@
           <a:p>
             <a:r>
               <a:rPr lang="en-US" dirty="0" smtClean="0"/>
-              <a:t>Data was scraped from across different websites, cleansed, and joined into one data set</a:t>
+              <a:t>Data was scraped from across different websites, cleansed, and joined into one data set.</a:t>
+            </a:r>
+          </a:p>
+          <a:p>
+            <a:r>
+              <a:rPr lang="en-US" dirty="0" smtClean="0"/>
+              <a:t>One challenge I faced was the fact that I had to use the lowest common denominator of countries because of the join. I was left with less data than I would have liked, but it was nevertheless enough for </a:t>
+            </a:r>
+            <a:r>
+              <a:rPr lang="en-US" smtClean="0"/>
+              <a:t>the analysis.</a:t>
             </a:r>
             <a:endParaRPr lang="en-US" dirty="0"/>
           </a:p>
@@ -3413,7 +3423,7 @@
           <a:p>
             <a:r>
               <a:rPr lang="en-US" dirty="0" smtClean="0"/>
-              <a:t>Here is a cross correlation heat-map I produced.</a:t>
+              <a:t>Here is a cross correlation heat-map I produced (this visualization something we didn’t cover in class).</a:t>
             </a:r>
             <a:endParaRPr lang="en-US" dirty="0"/>
           </a:p>
